--- a/presentation/GreenAI_2nd.pptx
+++ b/presentation/GreenAI_2nd.pptx
@@ -6,10 +6,10 @@
     <p:sldMasterId id="2147483672" r:id="rId2"/>
   </p:sldMasterIdLst>
   <p:notesMasterIdLst>
-    <p:notesMasterId r:id="rId10"/>
+    <p:notesMasterId r:id="rId11"/>
   </p:notesMasterIdLst>
   <p:handoutMasterIdLst>
-    <p:handoutMasterId r:id="rId11"/>
+    <p:handoutMasterId r:id="rId12"/>
   </p:handoutMasterIdLst>
   <p:sldIdLst>
     <p:sldId id="256" r:id="rId3"/>
@@ -18,7 +18,8 @@
     <p:sldId id="371" r:id="rId6"/>
     <p:sldId id="353" r:id="rId7"/>
     <p:sldId id="372" r:id="rId8"/>
-    <p:sldId id="261" r:id="rId9"/>
+    <p:sldId id="373" r:id="rId9"/>
+    <p:sldId id="261" r:id="rId10"/>
   </p:sldIdLst>
   <p:sldSz cx="12192000" cy="6858000"/>
   <p:notesSz cx="6858000" cy="9144000"/>
@@ -11373,6 +11374,97 @@
     <p:extLst>
       <p:ext uri="{BB962C8B-B14F-4D97-AF65-F5344CB8AC3E}">
         <p14:creationId xmlns:p14="http://schemas.microsoft.com/office/powerpoint/2010/main" val="3024911487"/>
+      </p:ext>
+    </p:extLst>
+  </p:cSld>
+  <p:clrMapOvr>
+    <a:masterClrMapping/>
+  </p:clrMapOvr>
+</p:notes>
+</file>
+
+<file path=ppt/notesSlides/notesSlide7.xml><?xml version="1.0" encoding="utf-8"?>
+<p:notes xmlns:a="http://schemas.openxmlformats.org/drawingml/2006/main" xmlns:r="http://schemas.openxmlformats.org/officeDocument/2006/relationships" xmlns:p="http://schemas.openxmlformats.org/presentationml/2006/main">
+  <p:cSld>
+    <p:spTree>
+      <p:nvGrpSpPr>
+        <p:cNvPr id="1" name=""/>
+        <p:cNvGrpSpPr/>
+        <p:nvPr/>
+      </p:nvGrpSpPr>
+      <p:grpSpPr>
+        <a:xfrm>
+          <a:off x="0" y="0"/>
+          <a:ext cx="0" cy="0"/>
+          <a:chOff x="0" y="0"/>
+          <a:chExt cx="0" cy="0"/>
+        </a:xfrm>
+      </p:grpSpPr>
+      <p:sp>
+        <p:nvSpPr>
+          <p:cNvPr id="2" name="幻灯片图像占位符 1"/>
+          <p:cNvSpPr>
+            <a:spLocks noGrp="1" noRot="1" noChangeAspect="1"/>
+          </p:cNvSpPr>
+          <p:nvPr>
+            <p:ph type="sldImg"/>
+          </p:nvPr>
+        </p:nvSpPr>
+        <p:spPr/>
+      </p:sp>
+      <p:sp>
+        <p:nvSpPr>
+          <p:cNvPr id="3" name="备注占位符 2"/>
+          <p:cNvSpPr>
+            <a:spLocks noGrp="1"/>
+          </p:cNvSpPr>
+          <p:nvPr>
+            <p:ph type="body" idx="1"/>
+          </p:nvPr>
+        </p:nvSpPr>
+        <p:spPr/>
+        <p:txBody>
+          <a:bodyPr/>
+          <a:lstStyle/>
+          <a:p>
+            <a:pPr marL="342900" lvl="0" indent="-342900" algn="just">
+              <a:buFont typeface="宋体" panose="02010600030101010101" pitchFamily="2" charset="-122"/>
+              <a:buChar char="•"/>
+              <a:tabLst>
+                <a:tab pos="457200" algn="l"/>
+              </a:tabLst>
+            </a:pPr>
+            <a:endParaRPr kumimoji="1" lang="zh-CN" altLang="en-US" dirty="0"/>
+          </a:p>
+        </p:txBody>
+      </p:sp>
+      <p:sp>
+        <p:nvSpPr>
+          <p:cNvPr id="4" name="灯片编号占位符 3"/>
+          <p:cNvSpPr>
+            <a:spLocks noGrp="1"/>
+          </p:cNvSpPr>
+          <p:nvPr>
+            <p:ph type="sldNum" sz="quarter" idx="5"/>
+          </p:nvPr>
+        </p:nvSpPr>
+        <p:spPr/>
+        <p:txBody>
+          <a:bodyPr/>
+          <a:lstStyle/>
+          <a:p>
+            <a:fld id="{E9E6FDB6-6D2B-46C1-9FA1-D82906A37C3A}" type="slidenum">
+              <a:rPr lang="zh-CN" altLang="en-US" smtClean="0"/>
+              <a:t>7</a:t>
+            </a:fld>
+            <a:endParaRPr lang="zh-CN" altLang="en-US"/>
+          </a:p>
+        </p:txBody>
+      </p:sp>
+    </p:spTree>
+    <p:extLst>
+      <p:ext uri="{BB962C8B-B14F-4D97-AF65-F5344CB8AC3E}">
+        <p14:creationId xmlns:p14="http://schemas.microsoft.com/office/powerpoint/2010/main" val="705917428"/>
       </p:ext>
     </p:extLst>
   </p:cSld>
@@ -18388,8 +18480,8 @@
         </p:blipFill>
         <p:spPr>
           <a:xfrm>
-            <a:off x="669924" y="3968611"/>
-            <a:ext cx="4903662" cy="2472094"/>
+            <a:off x="577019" y="3866858"/>
+            <a:ext cx="5089472" cy="2565767"/>
           </a:xfrm>
           <a:prstGeom prst="rect">
             <a:avLst/>
@@ -18966,6 +19058,42 @@
           </a:p>
         </p:txBody>
       </p:sp>
+      <p:sp>
+        <p:nvSpPr>
+          <p:cNvPr id="3" name="文本框 2">
+            <a:extLst>
+              <a:ext uri="{FF2B5EF4-FFF2-40B4-BE49-F238E27FC236}">
+                <a16:creationId xmlns:a16="http://schemas.microsoft.com/office/drawing/2014/main" id="{B9A5C9CF-048B-FA43-2694-8C30FA57ABE2}"/>
+              </a:ext>
+            </a:extLst>
+          </p:cNvPr>
+          <p:cNvSpPr txBox="1"/>
+          <p:nvPr/>
+        </p:nvSpPr>
+        <p:spPr>
+          <a:xfrm>
+            <a:off x="8112642" y="2224067"/>
+            <a:ext cx="3044423" cy="369332"/>
+          </a:xfrm>
+          <a:prstGeom prst="rect">
+            <a:avLst/>
+          </a:prstGeom>
+          <a:noFill/>
+        </p:spPr>
+        <p:txBody>
+          <a:bodyPr wrap="none" rtlCol="0">
+            <a:spAutoFit/>
+          </a:bodyPr>
+          <a:lstStyle/>
+          <a:p>
+            <a:r>
+              <a:rPr kumimoji="1" lang="en-US" altLang="zh-CN" dirty="0"/>
+              <a:t>Mean energy: 3932J/epoch </a:t>
+            </a:r>
+            <a:endParaRPr kumimoji="1" lang="zh-CN" altLang="en-US" dirty="0"/>
+          </a:p>
+        </p:txBody>
+      </p:sp>
     </p:spTree>
     <p:extLst>
       <p:ext uri="{BB962C8B-B14F-4D97-AF65-F5344CB8AC3E}">
@@ -19189,6 +19317,42 @@
           </a:prstGeom>
         </p:spPr>
       </p:pic>
+      <p:sp>
+        <p:nvSpPr>
+          <p:cNvPr id="8" name="文本框 7">
+            <a:extLst>
+              <a:ext uri="{FF2B5EF4-FFF2-40B4-BE49-F238E27FC236}">
+                <a16:creationId xmlns:a16="http://schemas.microsoft.com/office/drawing/2014/main" id="{149A9474-5BD4-0E27-6254-CBC153C2F682}"/>
+              </a:ext>
+            </a:extLst>
+          </p:cNvPr>
+          <p:cNvSpPr txBox="1"/>
+          <p:nvPr/>
+        </p:nvSpPr>
+        <p:spPr>
+          <a:xfrm>
+            <a:off x="6673408" y="5009798"/>
+            <a:ext cx="3044423" cy="369332"/>
+          </a:xfrm>
+          <a:prstGeom prst="rect">
+            <a:avLst/>
+          </a:prstGeom>
+          <a:noFill/>
+        </p:spPr>
+        <p:txBody>
+          <a:bodyPr wrap="none" rtlCol="0">
+            <a:spAutoFit/>
+          </a:bodyPr>
+          <a:lstStyle/>
+          <a:p>
+            <a:r>
+              <a:rPr kumimoji="1" lang="en-US" altLang="zh-CN" dirty="0"/>
+              <a:t>Mean energy: 4192J/epoch </a:t>
+            </a:r>
+            <a:endParaRPr kumimoji="1" lang="zh-CN" altLang="en-US" dirty="0"/>
+          </a:p>
+        </p:txBody>
+      </p:sp>
     </p:spTree>
     <p:extLst>
       <p:ext uri="{BB962C8B-B14F-4D97-AF65-F5344CB8AC3E}">
@@ -19206,6 +19370,151 @@
 </file>
 
 <file path=ppt/slides/slide7.xml><?xml version="1.0" encoding="utf-8"?>
+<p:sld xmlns:a="http://schemas.openxmlformats.org/drawingml/2006/main" xmlns:r="http://schemas.openxmlformats.org/officeDocument/2006/relationships" xmlns:p="http://schemas.openxmlformats.org/presentationml/2006/main">
+  <p:cSld>
+    <p:spTree>
+      <p:nvGrpSpPr>
+        <p:cNvPr id="1" name=""/>
+        <p:cNvGrpSpPr/>
+        <p:nvPr/>
+      </p:nvGrpSpPr>
+      <p:grpSpPr>
+        <a:xfrm>
+          <a:off x="0" y="0"/>
+          <a:ext cx="0" cy="0"/>
+          <a:chOff x="0" y="0"/>
+          <a:chExt cx="0" cy="0"/>
+        </a:xfrm>
+      </p:grpSpPr>
+      <p:sp>
+        <p:nvSpPr>
+          <p:cNvPr id="2" name="标题 1"/>
+          <p:cNvSpPr>
+            <a:spLocks noGrp="1"/>
+          </p:cNvSpPr>
+          <p:nvPr>
+            <p:ph type="title"/>
+          </p:nvPr>
+        </p:nvSpPr>
+        <p:spPr>
+          <a:xfrm>
+            <a:off x="669924" y="-8794"/>
+            <a:ext cx="10850563" cy="1028699"/>
+          </a:xfrm>
+        </p:spPr>
+        <p:txBody>
+          <a:bodyPr/>
+          <a:lstStyle/>
+          <a:p>
+            <a:r>
+              <a:rPr lang="en-US" altLang="zh-CN" sz="2800" b="1" dirty="0">
+                <a:solidFill>
+                  <a:schemeClr val="tx1"/>
+                </a:solidFill>
+              </a:rPr>
+              <a:t>Question</a:t>
+            </a:r>
+            <a:endParaRPr lang="en-US" altLang="zh-CN" dirty="0"/>
+          </a:p>
+        </p:txBody>
+      </p:sp>
+      <p:pic>
+        <p:nvPicPr>
+          <p:cNvPr id="4" name="Google Shape;64;p1" descr="徽标&#10;&#10;描述已自动生成">
+            <a:extLst>
+              <a:ext uri="{FF2B5EF4-FFF2-40B4-BE49-F238E27FC236}">
+                <a16:creationId xmlns:a16="http://schemas.microsoft.com/office/drawing/2014/main" id="{B926DC82-46B1-7389-7F3F-3D47478E3623}"/>
+              </a:ext>
+            </a:extLst>
+          </p:cNvPr>
+          <p:cNvPicPr preferRelativeResize="0"/>
+          <p:nvPr/>
+        </p:nvPicPr>
+        <p:blipFill rotWithShape="1">
+          <a:blip r:embed="rId3">
+            <a:alphaModFix/>
+          </a:blip>
+          <a:srcRect/>
+          <a:stretch/>
+        </p:blipFill>
+        <p:spPr>
+          <a:xfrm>
+            <a:off x="9863328" y="1"/>
+            <a:ext cx="2328672" cy="1028700"/>
+          </a:xfrm>
+          <a:prstGeom prst="rect">
+            <a:avLst/>
+          </a:prstGeom>
+          <a:noFill/>
+          <a:ln>
+            <a:noFill/>
+          </a:ln>
+        </p:spPr>
+      </p:pic>
+      <p:sp>
+        <p:nvSpPr>
+          <p:cNvPr id="7" name="文本框 6">
+            <a:extLst>
+              <a:ext uri="{FF2B5EF4-FFF2-40B4-BE49-F238E27FC236}">
+                <a16:creationId xmlns:a16="http://schemas.microsoft.com/office/drawing/2014/main" id="{2E1223A1-9F22-73A4-8242-2D9E36A747B5}"/>
+              </a:ext>
+            </a:extLst>
+          </p:cNvPr>
+          <p:cNvSpPr txBox="1"/>
+          <p:nvPr/>
+        </p:nvSpPr>
+        <p:spPr>
+          <a:xfrm>
+            <a:off x="903767" y="1254642"/>
+            <a:ext cx="7276351" cy="646331"/>
+          </a:xfrm>
+          <a:prstGeom prst="rect">
+            <a:avLst/>
+          </a:prstGeom>
+          <a:noFill/>
+        </p:spPr>
+        <p:txBody>
+          <a:bodyPr wrap="none" rtlCol="0">
+            <a:spAutoFit/>
+          </a:bodyPr>
+          <a:lstStyle/>
+          <a:p>
+            <a:pPr marL="342900" indent="-342900">
+              <a:buAutoNum type="arabicPeriod"/>
+            </a:pPr>
+            <a:r>
+              <a:rPr kumimoji="1" lang="en-US" altLang="zh-CN" dirty="0"/>
+              <a:t>How to make compromise between acc and energy consumption?</a:t>
+            </a:r>
+          </a:p>
+          <a:p>
+            <a:pPr marL="342900" indent="-342900">
+              <a:buAutoNum type="arabicPeriod"/>
+            </a:pPr>
+            <a:r>
+              <a:rPr kumimoji="1" lang="en-US" altLang="zh-CN" dirty="0"/>
+              <a:t>Is time sufficient to be the measurement?</a:t>
+            </a:r>
+          </a:p>
+        </p:txBody>
+      </p:sp>
+    </p:spTree>
+    <p:extLst>
+      <p:ext uri="{BB962C8B-B14F-4D97-AF65-F5344CB8AC3E}">
+        <p14:creationId xmlns:p14="http://schemas.microsoft.com/office/powerpoint/2010/main" val="2296736367"/>
+      </p:ext>
+    </p:extLst>
+  </p:cSld>
+  <p:clrMapOvr>
+    <a:masterClrMapping/>
+  </p:clrMapOvr>
+  <p:transition>
+    <p:checker/>
+  </p:transition>
+</p:sld>
+</file>
+
+<file path=ppt/slides/slide8.xml><?xml version="1.0" encoding="utf-8"?>
 <p:sld xmlns:a="http://schemas.openxmlformats.org/drawingml/2006/main" xmlns:r="http://schemas.openxmlformats.org/officeDocument/2006/relationships" xmlns:p="http://schemas.openxmlformats.org/presentationml/2006/main">
   <p:cSld>
     <p:spTree>

--- a/presentation/GreenAI_2nd.pptx
+++ b/presentation/GreenAI_2nd.pptx
@@ -18,7 +18,7 @@
     <p:sldId id="371" r:id="rId6"/>
     <p:sldId id="353" r:id="rId7"/>
     <p:sldId id="372" r:id="rId8"/>
-    <p:sldId id="373" r:id="rId9"/>
+    <p:sldId id="374" r:id="rId9"/>
     <p:sldId id="261" r:id="rId10"/>
   </p:sldIdLst>
   <p:sldSz cx="12192000" cy="6858000"/>
@@ -4869,22 +4869,6 @@
     </pc:docChg>
   </pc:docChgLst>
   <pc:docChgLst>
-    <pc:chgData name="HUANG LIN" userId="S::s301266@studenti.polito.it::1b5dcee7-0d99-405d-a0f0-637f14b99ad0" providerId="AD" clId="Web-{320DFB42-AB3A-43D0-A938-93D726B4159B}"/>
-    <pc:docChg chg="delSld">
-      <pc:chgData name="HUANG LIN" userId="S::s301266@studenti.polito.it::1b5dcee7-0d99-405d-a0f0-637f14b99ad0" providerId="AD" clId="Web-{320DFB42-AB3A-43D0-A938-93D726B4159B}" dt="2023-05-09T16:32:15.048" v="0"/>
-      <pc:docMkLst>
-        <pc:docMk/>
-      </pc:docMkLst>
-      <pc:sldChg chg="del">
-        <pc:chgData name="HUANG LIN" userId="S::s301266@studenti.polito.it::1b5dcee7-0d99-405d-a0f0-637f14b99ad0" providerId="AD" clId="Web-{320DFB42-AB3A-43D0-A938-93D726B4159B}" dt="2023-05-09T16:32:15.048" v="0"/>
-        <pc:sldMkLst>
-          <pc:docMk/>
-          <pc:sldMk cId="3625760117" sldId="359"/>
-        </pc:sldMkLst>
-      </pc:sldChg>
-    </pc:docChg>
-  </pc:docChgLst>
-  <pc:docChgLst>
     <pc:chgData name="Li  Yangshihao" userId="S::s302568@studenti.polito.it::ee48da2e-17a2-4953-b1e7-564eeca1e514" providerId="AD" clId="Web-{29B38739-F18C-4A97-8E48-F53C74F0D6C9}"/>
     <pc:docChg chg="addSld delSld modSld">
       <pc:chgData name="Li  Yangshihao" userId="S::s302568@studenti.polito.it::ee48da2e-17a2-4953-b1e7-564eeca1e514" providerId="AD" clId="Web-{29B38739-F18C-4A97-8E48-F53C74F0D6C9}" dt="2023-05-09T20:45:32.365" v="126"/>
@@ -4928,6 +4912,22 @@
             <ac:graphicFrameMk id="6" creationId="{3DEF3590-4F19-D115-5DC6-7ABE16C2CF37}"/>
           </ac:graphicFrameMkLst>
         </pc:graphicFrameChg>
+      </pc:sldChg>
+    </pc:docChg>
+  </pc:docChgLst>
+  <pc:docChgLst>
+    <pc:chgData name="HUANG LIN" userId="S::s301266@studenti.polito.it::1b5dcee7-0d99-405d-a0f0-637f14b99ad0" providerId="AD" clId="Web-{320DFB42-AB3A-43D0-A938-93D726B4159B}"/>
+    <pc:docChg chg="delSld">
+      <pc:chgData name="HUANG LIN" userId="S::s301266@studenti.polito.it::1b5dcee7-0d99-405d-a0f0-637f14b99ad0" providerId="AD" clId="Web-{320DFB42-AB3A-43D0-A938-93D726B4159B}" dt="2023-05-09T16:32:15.048" v="0"/>
+      <pc:docMkLst>
+        <pc:docMk/>
+      </pc:docMkLst>
+      <pc:sldChg chg="del">
+        <pc:chgData name="HUANG LIN" userId="S::s301266@studenti.polito.it::1b5dcee7-0d99-405d-a0f0-637f14b99ad0" providerId="AD" clId="Web-{320DFB42-AB3A-43D0-A938-93D726B4159B}" dt="2023-05-09T16:32:15.048" v="0"/>
+        <pc:sldMkLst>
+          <pc:docMk/>
+          <pc:sldMk cId="3625760117" sldId="359"/>
+        </pc:sldMkLst>
       </pc:sldChg>
     </pc:docChg>
   </pc:docChgLst>
@@ -10433,7 +10433,7 @@
           <a:p>
             <a:fld id="{0F9B84EA-7D68-4D60-9CB1-D50884785D1C}" type="datetimeFigureOut">
               <a:rPr lang="zh-CN" altLang="en-US" smtClean="0"/>
-              <a:t>2023/11/16</a:t>
+              <a:t>2023/11/20</a:t>
             </a:fld>
             <a:endParaRPr lang="zh-CN" altLang="en-US"/>
           </a:p>
@@ -10598,7 +10598,7 @@
           <a:p>
             <a:fld id="{E86D8963-CFCD-4740-AF60-049850373CDF}" type="datetimeFigureOut">
               <a:rPr lang="zh-CN" altLang="en-US" smtClean="0"/>
-              <a:t>2023/11/16</a:t>
+              <a:t>2023/11/20</a:t>
             </a:fld>
             <a:endParaRPr lang="zh-CN" altLang="en-US"/>
           </a:p>
@@ -11464,7 +11464,7 @@
     </p:spTree>
     <p:extLst>
       <p:ext uri="{BB962C8B-B14F-4D97-AF65-F5344CB8AC3E}">
-        <p14:creationId xmlns:p14="http://schemas.microsoft.com/office/powerpoint/2010/main" val="705917428"/>
+        <p14:creationId xmlns:p14="http://schemas.microsoft.com/office/powerpoint/2010/main" val="2444305547"/>
       </p:ext>
     </p:extLst>
   </p:cSld>
@@ -11947,7 +11947,7 @@
           <a:p>
             <a:fld id="{44997768-0F3B-4C42-8732-89CAF429E39F}" type="datetime1">
               <a:rPr lang="zh-CN" altLang="en-US" smtClean="0"/>
-              <a:t>2023/11/16</a:t>
+              <a:t>2023/11/20</a:t>
             </a:fld>
             <a:endParaRPr lang="zh-CN" altLang="en-US"/>
           </a:p>
@@ -12188,7 +12188,7 @@
           <a:p>
             <a:fld id="{B2D0698E-25F7-2942-821D-B02E8F91024F}" type="datetime1">
               <a:rPr lang="zh-CN" altLang="en-US" smtClean="0"/>
-              <a:t>2023/11/16</a:t>
+              <a:t>2023/11/20</a:t>
             </a:fld>
             <a:endParaRPr lang="zh-CN" altLang="en-US"/>
           </a:p>
@@ -13535,7 +13535,7 @@
           <a:p>
             <a:fld id="{6489D9C7-5DC6-4263-87FF-7C99F6FB63C3}" type="datetime1">
               <a:rPr lang="zh-CN" altLang="en-US" smtClean="0"/>
-              <a:t>2023/11/16</a:t>
+              <a:t>2023/11/20</a:t>
             </a:fld>
             <a:endParaRPr lang="zh-CN" altLang="en-US"/>
           </a:p>
@@ -13776,7 +13776,7 @@
           <a:p>
             <a:fld id="{6489D9C7-5DC6-4263-87FF-7C99F6FB63C3}" type="datetime1">
               <a:rPr lang="zh-CN" altLang="en-US" smtClean="0"/>
-              <a:t>2023/11/16</a:t>
+              <a:t>2023/11/20</a:t>
             </a:fld>
             <a:endParaRPr lang="zh-CN" altLang="en-US"/>
           </a:p>
@@ -14682,7 +14682,7 @@
           <a:p>
             <a:fld id="{44997768-0F3B-4C42-8732-89CAF429E39F}" type="datetime1">
               <a:rPr lang="zh-CN" altLang="en-US" smtClean="0"/>
-              <a:t>2023/11/16</a:t>
+              <a:t>2023/11/20</a:t>
             </a:fld>
             <a:endParaRPr lang="zh-CN" altLang="en-US"/>
           </a:p>
@@ -14922,7 +14922,7 @@
           <a:p>
             <a:fld id="{B2D0698E-25F7-2942-821D-B02E8F91024F}" type="datetime1">
               <a:rPr lang="zh-CN" altLang="en-US" smtClean="0"/>
-              <a:t>2023/11/16</a:t>
+              <a:t>2023/11/20</a:t>
             </a:fld>
             <a:endParaRPr lang="zh-CN" altLang="en-US"/>
           </a:p>
@@ -16425,7 +16425,7 @@
           <a:p>
             <a:fld id="{F6DE2F0B-553A-0F46-B53A-381754DB6C4C}" type="datetime1">
               <a:rPr lang="zh-CN" altLang="en-US" smtClean="0"/>
-              <a:t>2023/11/16</a:t>
+              <a:t>2023/11/20</a:t>
             </a:fld>
             <a:endParaRPr lang="zh-CN" altLang="en-US"/>
           </a:p>
@@ -17012,7 +17012,7 @@
           <a:p>
             <a:fld id="{6489D9C7-5DC6-4263-87FF-7C99F6FB63C3}" type="datetime1">
               <a:rPr lang="zh-CN" altLang="en-US" smtClean="0"/>
-              <a:t>2023/11/16</a:t>
+              <a:t>2023/11/20</a:t>
             </a:fld>
             <a:endParaRPr lang="zh-CN" altLang="en-US"/>
           </a:p>
@@ -18480,8 +18480,8 @@
         </p:blipFill>
         <p:spPr>
           <a:xfrm>
-            <a:off x="577019" y="3866858"/>
-            <a:ext cx="5089472" cy="2565767"/>
+            <a:off x="330" y="3996078"/>
+            <a:ext cx="4172416" cy="2103450"/>
           </a:xfrm>
           <a:prstGeom prst="rect">
             <a:avLst/>
@@ -18502,7 +18502,7 @@
         </p:nvSpPr>
         <p:spPr>
           <a:xfrm>
-            <a:off x="2328108" y="6407957"/>
+            <a:off x="4768745" y="6470288"/>
             <a:ext cx="1587294" cy="307777"/>
           </a:xfrm>
           <a:prstGeom prst="rect">
@@ -18520,6 +18520,174 @@
               <a:rPr kumimoji="1" lang="en-US" altLang="zh-CN" sz="1400" dirty="0"/>
               <a:t>Multi epoch result</a:t>
             </a:r>
+          </a:p>
+        </p:txBody>
+      </p:sp>
+      <p:pic>
+        <p:nvPicPr>
+          <p:cNvPr id="4" name="图片 3">
+            <a:extLst>
+              <a:ext uri="{FF2B5EF4-FFF2-40B4-BE49-F238E27FC236}">
+                <a16:creationId xmlns:a16="http://schemas.microsoft.com/office/drawing/2014/main" id="{F0E875DC-4B56-294E-60F3-E14A4AE16986}"/>
+              </a:ext>
+            </a:extLst>
+          </p:cNvPr>
+          <p:cNvPicPr>
+            <a:picLocks noChangeAspect="1"/>
+          </p:cNvPicPr>
+          <p:nvPr/>
+        </p:nvPicPr>
+        <p:blipFill>
+          <a:blip r:embed="rId8"/>
+          <a:stretch>
+            <a:fillRect/>
+          </a:stretch>
+        </p:blipFill>
+        <p:spPr>
+          <a:xfrm>
+            <a:off x="4215792" y="3984910"/>
+            <a:ext cx="4017884" cy="2200939"/>
+          </a:xfrm>
+          <a:prstGeom prst="rect">
+            <a:avLst/>
+          </a:prstGeom>
+        </p:spPr>
+      </p:pic>
+      <p:sp>
+        <p:nvSpPr>
+          <p:cNvPr id="5" name="文本框 4">
+            <a:extLst>
+              <a:ext uri="{FF2B5EF4-FFF2-40B4-BE49-F238E27FC236}">
+                <a16:creationId xmlns:a16="http://schemas.microsoft.com/office/drawing/2014/main" id="{E72F4486-F9B1-282B-457A-90D267FAB8B1}"/>
+              </a:ext>
+            </a:extLst>
+          </p:cNvPr>
+          <p:cNvSpPr txBox="1"/>
+          <p:nvPr/>
+        </p:nvSpPr>
+        <p:spPr>
+          <a:xfrm>
+            <a:off x="242955" y="6036380"/>
+            <a:ext cx="3759362" cy="246221"/>
+          </a:xfrm>
+          <a:prstGeom prst="rect">
+            <a:avLst/>
+          </a:prstGeom>
+          <a:noFill/>
+        </p:spPr>
+        <p:txBody>
+          <a:bodyPr wrap="none" rtlCol="0">
+            <a:spAutoFit/>
+          </a:bodyPr>
+          <a:lstStyle/>
+          <a:p>
+            <a:r>
+              <a:rPr kumimoji="1" lang="en-US" altLang="zh-CN" sz="1000" dirty="0"/>
+              <a:t>Total energy consumption, train acc and test acc of each epoch</a:t>
+            </a:r>
+            <a:endParaRPr kumimoji="1" lang="zh-CN" altLang="en-US" sz="1000" dirty="0"/>
+          </a:p>
+        </p:txBody>
+      </p:sp>
+      <p:sp>
+        <p:nvSpPr>
+          <p:cNvPr id="15" name="文本框 14">
+            <a:extLst>
+              <a:ext uri="{FF2B5EF4-FFF2-40B4-BE49-F238E27FC236}">
+                <a16:creationId xmlns:a16="http://schemas.microsoft.com/office/drawing/2014/main" id="{A28CCE32-F88B-35DF-B2BE-BDEC9BBB9940}"/>
+              </a:ext>
+            </a:extLst>
+          </p:cNvPr>
+          <p:cNvSpPr txBox="1"/>
+          <p:nvPr/>
+        </p:nvSpPr>
+        <p:spPr>
+          <a:xfrm>
+            <a:off x="4797759" y="6057680"/>
+            <a:ext cx="3116559" cy="246221"/>
+          </a:xfrm>
+          <a:prstGeom prst="rect">
+            <a:avLst/>
+          </a:prstGeom>
+          <a:noFill/>
+        </p:spPr>
+        <p:txBody>
+          <a:bodyPr wrap="none" rtlCol="0">
+            <a:spAutoFit/>
+          </a:bodyPr>
+          <a:lstStyle/>
+          <a:p>
+            <a:r>
+              <a:rPr kumimoji="1" lang="en-US" altLang="zh-CN" sz="1000" dirty="0"/>
+              <a:t>GPU energy consumption of epoch(total 10 epochs)</a:t>
+            </a:r>
+            <a:endParaRPr kumimoji="1" lang="zh-CN" altLang="en-US" sz="1000" dirty="0"/>
+          </a:p>
+        </p:txBody>
+      </p:sp>
+      <p:pic>
+        <p:nvPicPr>
+          <p:cNvPr id="16" name="图片 15">
+            <a:extLst>
+              <a:ext uri="{FF2B5EF4-FFF2-40B4-BE49-F238E27FC236}">
+                <a16:creationId xmlns:a16="http://schemas.microsoft.com/office/drawing/2014/main" id="{A5DD8FC4-60C1-4294-787A-3C8DA13D1656}"/>
+              </a:ext>
+            </a:extLst>
+          </p:cNvPr>
+          <p:cNvPicPr>
+            <a:picLocks noChangeAspect="1"/>
+          </p:cNvPicPr>
+          <p:nvPr/>
+        </p:nvPicPr>
+        <p:blipFill>
+          <a:blip r:embed="rId9"/>
+          <a:stretch>
+            <a:fillRect/>
+          </a:stretch>
+        </p:blipFill>
+        <p:spPr>
+          <a:xfrm>
+            <a:off x="8173785" y="3996078"/>
+            <a:ext cx="4017885" cy="2200939"/>
+          </a:xfrm>
+          <a:prstGeom prst="rect">
+            <a:avLst/>
+          </a:prstGeom>
+        </p:spPr>
+      </p:pic>
+      <p:sp>
+        <p:nvSpPr>
+          <p:cNvPr id="18" name="文本框 17">
+            <a:extLst>
+              <a:ext uri="{FF2B5EF4-FFF2-40B4-BE49-F238E27FC236}">
+                <a16:creationId xmlns:a16="http://schemas.microsoft.com/office/drawing/2014/main" id="{87C25A7D-AF2B-52A5-FA0C-2EBD79BB6EB2}"/>
+              </a:ext>
+            </a:extLst>
+          </p:cNvPr>
+          <p:cNvSpPr txBox="1"/>
+          <p:nvPr/>
+        </p:nvSpPr>
+        <p:spPr>
+          <a:xfrm>
+            <a:off x="8989386" y="6073906"/>
+            <a:ext cx="3202283" cy="246221"/>
+          </a:xfrm>
+          <a:prstGeom prst="rect">
+            <a:avLst/>
+          </a:prstGeom>
+          <a:noFill/>
+        </p:spPr>
+        <p:txBody>
+          <a:bodyPr wrap="square">
+            <a:spAutoFit/>
+          </a:bodyPr>
+          <a:lstStyle/>
+          <a:p>
+            <a:r>
+              <a:rPr kumimoji="1" lang="en-US" altLang="zh-CN" sz="1000" dirty="0"/>
+              <a:t>GPU energy consumption of epoch(total 20 epochs)</a:t>
+            </a:r>
+            <a:endParaRPr kumimoji="1" lang="zh-CN" altLang="en-US" sz="1000" dirty="0"/>
           </a:p>
         </p:txBody>
       </p:sp>
@@ -18911,7 +19079,7 @@
         </p:blipFill>
         <p:spPr>
           <a:xfrm>
-            <a:off x="652095" y="3842396"/>
+            <a:off x="484344" y="3856575"/>
             <a:ext cx="3524127" cy="1797305"/>
           </a:xfrm>
           <a:prstGeom prst="rect">
@@ -19412,7 +19580,7 @@
                   <a:schemeClr val="tx1"/>
                 </a:solidFill>
               </a:rPr>
-              <a:t>Question</a:t>
+              <a:t>Simulation results</a:t>
             </a:r>
             <a:endParaRPr lang="en-US" altLang="zh-CN" dirty="0"/>
           </a:p>
@@ -19453,10 +19621,10 @@
       </p:pic>
       <p:sp>
         <p:nvSpPr>
-          <p:cNvPr id="7" name="文本框 6">
+          <p:cNvPr id="31" name="文本框 30">
             <a:extLst>
               <a:ext uri="{FF2B5EF4-FFF2-40B4-BE49-F238E27FC236}">
-                <a16:creationId xmlns:a16="http://schemas.microsoft.com/office/drawing/2014/main" id="{2E1223A1-9F22-73A4-8242-2D9E36A747B5}"/>
+                <a16:creationId xmlns:a16="http://schemas.microsoft.com/office/drawing/2014/main" id="{D8B736C7-CAD8-9D9C-526C-AE5509FCD440}"/>
               </a:ext>
             </a:extLst>
           </p:cNvPr>
@@ -19465,8 +19633,8 @@
         </p:nvSpPr>
         <p:spPr>
           <a:xfrm>
-            <a:off x="903767" y="1254642"/>
-            <a:ext cx="7276351" cy="646331"/>
+            <a:off x="756518" y="1118331"/>
+            <a:ext cx="4929619" cy="369332"/>
           </a:xfrm>
           <a:prstGeom prst="rect">
             <a:avLst/>
@@ -19479,29 +19647,281 @@
           </a:bodyPr>
           <a:lstStyle/>
           <a:p>
-            <a:pPr marL="342900" indent="-342900">
-              <a:buAutoNum type="arabicPeriod"/>
-            </a:pPr>
             <a:r>
               <a:rPr kumimoji="1" lang="en-US" altLang="zh-CN" dirty="0"/>
-              <a:t>How to make compromise between acc and energy consumption?</a:t>
+              <a:t>Optimizer:  comparison between SGD &amp; Adam</a:t>
             </a:r>
           </a:p>
+        </p:txBody>
+      </p:sp>
+      <p:pic>
+        <p:nvPicPr>
+          <p:cNvPr id="7" name="图片 6">
+            <a:extLst>
+              <a:ext uri="{FF2B5EF4-FFF2-40B4-BE49-F238E27FC236}">
+                <a16:creationId xmlns:a16="http://schemas.microsoft.com/office/drawing/2014/main" id="{E5217877-0014-4B4F-A236-749DE2D17D5F}"/>
+              </a:ext>
+            </a:extLst>
+          </p:cNvPr>
+          <p:cNvPicPr>
+            <a:picLocks noChangeAspect="1"/>
+          </p:cNvPicPr>
+          <p:nvPr/>
+        </p:nvPicPr>
+        <p:blipFill>
+          <a:blip r:embed="rId4"/>
+          <a:stretch>
+            <a:fillRect/>
+          </a:stretch>
+        </p:blipFill>
+        <p:spPr>
+          <a:xfrm>
+            <a:off x="633219" y="1487663"/>
+            <a:ext cx="4847118" cy="2655181"/>
+          </a:xfrm>
+          <a:prstGeom prst="rect">
+            <a:avLst/>
+          </a:prstGeom>
+        </p:spPr>
+      </p:pic>
+      <p:sp>
+        <p:nvSpPr>
+          <p:cNvPr id="9" name="文本框 8">
+            <a:extLst>
+              <a:ext uri="{FF2B5EF4-FFF2-40B4-BE49-F238E27FC236}">
+                <a16:creationId xmlns:a16="http://schemas.microsoft.com/office/drawing/2014/main" id="{9BB87B1A-C0B6-89AA-3EA6-C0657893BB36}"/>
+              </a:ext>
+            </a:extLst>
+          </p:cNvPr>
+          <p:cNvSpPr txBox="1"/>
+          <p:nvPr/>
+        </p:nvSpPr>
+        <p:spPr>
+          <a:xfrm>
+            <a:off x="2216644" y="3998895"/>
+            <a:ext cx="1680268" cy="246221"/>
+          </a:xfrm>
+          <a:prstGeom prst="rect">
+            <a:avLst/>
+          </a:prstGeom>
+          <a:noFill/>
+        </p:spPr>
+        <p:txBody>
+          <a:bodyPr wrap="none" rtlCol="0">
+            <a:spAutoFit/>
+          </a:bodyPr>
+          <a:lstStyle/>
           <a:p>
-            <a:pPr marL="342900" indent="-342900">
-              <a:buAutoNum type="arabicPeriod"/>
-            </a:pPr>
             <a:r>
-              <a:rPr kumimoji="1" lang="en-US" altLang="zh-CN" dirty="0"/>
-              <a:t>Is time sufficient to be the measurement?</a:t>
+              <a:rPr kumimoji="1" lang="en-US" altLang="zh-CN" sz="1000" dirty="0"/>
+              <a:t>GPU energy consumption </a:t>
             </a:r>
+            <a:endParaRPr kumimoji="1" lang="zh-CN" altLang="en-US" sz="1000" dirty="0"/>
+          </a:p>
+        </p:txBody>
+      </p:sp>
+      <p:pic>
+        <p:nvPicPr>
+          <p:cNvPr id="10" name="图片 9">
+            <a:extLst>
+              <a:ext uri="{FF2B5EF4-FFF2-40B4-BE49-F238E27FC236}">
+                <a16:creationId xmlns:a16="http://schemas.microsoft.com/office/drawing/2014/main" id="{AA750BCF-002C-FAFD-D348-5E1F758236FE}"/>
+              </a:ext>
+            </a:extLst>
+          </p:cNvPr>
+          <p:cNvPicPr>
+            <a:picLocks noChangeAspect="1"/>
+          </p:cNvPicPr>
+          <p:nvPr/>
+        </p:nvPicPr>
+        <p:blipFill>
+          <a:blip r:embed="rId5"/>
+          <a:stretch>
+            <a:fillRect/>
+          </a:stretch>
+        </p:blipFill>
+        <p:spPr>
+          <a:xfrm>
+            <a:off x="5988899" y="1487663"/>
+            <a:ext cx="5228450" cy="2676875"/>
+          </a:xfrm>
+          <a:prstGeom prst="rect">
+            <a:avLst/>
+          </a:prstGeom>
+        </p:spPr>
+      </p:pic>
+      <p:sp>
+        <p:nvSpPr>
+          <p:cNvPr id="11" name="文本框 10">
+            <a:extLst>
+              <a:ext uri="{FF2B5EF4-FFF2-40B4-BE49-F238E27FC236}">
+                <a16:creationId xmlns:a16="http://schemas.microsoft.com/office/drawing/2014/main" id="{D654BA52-98AD-94A7-9D45-C31436C672CE}"/>
+              </a:ext>
+            </a:extLst>
+          </p:cNvPr>
+          <p:cNvSpPr txBox="1"/>
+          <p:nvPr/>
+        </p:nvSpPr>
+        <p:spPr>
+          <a:xfrm>
+            <a:off x="7189115" y="4041427"/>
+            <a:ext cx="2828018" cy="246221"/>
+          </a:xfrm>
+          <a:prstGeom prst="rect">
+            <a:avLst/>
+          </a:prstGeom>
+          <a:noFill/>
+        </p:spPr>
+        <p:txBody>
+          <a:bodyPr wrap="none" rtlCol="0">
+            <a:spAutoFit/>
+          </a:bodyPr>
+          <a:lstStyle/>
+          <a:p>
+            <a:r>
+              <a:rPr kumimoji="1" lang="en-US" altLang="zh-CN" sz="1000" dirty="0"/>
+              <a:t>train acc, test acc, train loss of SGD and Adam</a:t>
+            </a:r>
+            <a:endParaRPr kumimoji="1" lang="zh-CN" altLang="en-US" sz="1000" dirty="0"/>
+          </a:p>
+        </p:txBody>
+      </p:sp>
+      <p:pic>
+        <p:nvPicPr>
+          <p:cNvPr id="12" name="图片 11">
+            <a:extLst>
+              <a:ext uri="{FF2B5EF4-FFF2-40B4-BE49-F238E27FC236}">
+                <a16:creationId xmlns:a16="http://schemas.microsoft.com/office/drawing/2014/main" id="{CC0BF7A4-B4E8-AFB6-08DC-7EFC266775B8}"/>
+              </a:ext>
+            </a:extLst>
+          </p:cNvPr>
+          <p:cNvPicPr>
+            <a:picLocks noChangeAspect="1"/>
+          </p:cNvPicPr>
+          <p:nvPr/>
+        </p:nvPicPr>
+        <p:blipFill>
+          <a:blip r:embed="rId6"/>
+          <a:stretch>
+            <a:fillRect/>
+          </a:stretch>
+        </p:blipFill>
+        <p:spPr>
+          <a:xfrm>
+            <a:off x="855875" y="4233693"/>
+            <a:ext cx="4401806" cy="2462915"/>
+          </a:xfrm>
+          <a:prstGeom prst="rect">
+            <a:avLst/>
+          </a:prstGeom>
+        </p:spPr>
+      </p:pic>
+      <p:sp>
+        <p:nvSpPr>
+          <p:cNvPr id="13" name="文本框 12">
+            <a:extLst>
+              <a:ext uri="{FF2B5EF4-FFF2-40B4-BE49-F238E27FC236}">
+                <a16:creationId xmlns:a16="http://schemas.microsoft.com/office/drawing/2014/main" id="{721F80A4-EC03-D68E-CCB5-619F9FB70EC1}"/>
+              </a:ext>
+            </a:extLst>
+          </p:cNvPr>
+          <p:cNvSpPr txBox="1"/>
+          <p:nvPr/>
+        </p:nvSpPr>
+        <p:spPr>
+          <a:xfrm>
+            <a:off x="1468283" y="6557141"/>
+            <a:ext cx="3506088" cy="246221"/>
+          </a:xfrm>
+          <a:prstGeom prst="rect">
+            <a:avLst/>
+          </a:prstGeom>
+          <a:noFill/>
+        </p:spPr>
+        <p:txBody>
+          <a:bodyPr wrap="none" rtlCol="0">
+            <a:spAutoFit/>
+          </a:bodyPr>
+          <a:lstStyle/>
+          <a:p>
+            <a:r>
+              <a:rPr kumimoji="1" lang="en-US" altLang="zh-CN" sz="1000" dirty="0"/>
+              <a:t>Time consumption of each epoch between SGD and Adam</a:t>
+            </a:r>
+            <a:endParaRPr kumimoji="1" lang="zh-CN" altLang="en-US" sz="1000" dirty="0"/>
+          </a:p>
+        </p:txBody>
+      </p:sp>
+      <p:pic>
+        <p:nvPicPr>
+          <p:cNvPr id="14" name="图片 13">
+            <a:extLst>
+              <a:ext uri="{FF2B5EF4-FFF2-40B4-BE49-F238E27FC236}">
+                <a16:creationId xmlns:a16="http://schemas.microsoft.com/office/drawing/2014/main" id="{AC14889A-7BC6-1BA1-AD0F-46DF0162E153}"/>
+              </a:ext>
+            </a:extLst>
+          </p:cNvPr>
+          <p:cNvPicPr>
+            <a:picLocks noChangeAspect="1"/>
+          </p:cNvPicPr>
+          <p:nvPr/>
+        </p:nvPicPr>
+        <p:blipFill>
+          <a:blip r:embed="rId7"/>
+          <a:stretch>
+            <a:fillRect/>
+          </a:stretch>
+        </p:blipFill>
+        <p:spPr>
+          <a:xfrm>
+            <a:off x="6220048" y="4311218"/>
+            <a:ext cx="4583980" cy="2378003"/>
+          </a:xfrm>
+          <a:prstGeom prst="rect">
+            <a:avLst/>
+          </a:prstGeom>
+        </p:spPr>
+      </p:pic>
+      <p:sp>
+        <p:nvSpPr>
+          <p:cNvPr id="15" name="文本框 14">
+            <a:extLst>
+              <a:ext uri="{FF2B5EF4-FFF2-40B4-BE49-F238E27FC236}">
+                <a16:creationId xmlns:a16="http://schemas.microsoft.com/office/drawing/2014/main" id="{2687C42B-11CE-B2B5-6C54-5A62999DB75D}"/>
+              </a:ext>
+            </a:extLst>
+          </p:cNvPr>
+          <p:cNvSpPr txBox="1"/>
+          <p:nvPr/>
+        </p:nvSpPr>
+        <p:spPr>
+          <a:xfrm>
+            <a:off x="6810806" y="6579748"/>
+            <a:ext cx="3584636" cy="246221"/>
+          </a:xfrm>
+          <a:prstGeom prst="rect">
+            <a:avLst/>
+          </a:prstGeom>
+          <a:noFill/>
+        </p:spPr>
+        <p:txBody>
+          <a:bodyPr wrap="none" rtlCol="0">
+            <a:spAutoFit/>
+          </a:bodyPr>
+          <a:lstStyle/>
+          <a:p>
+            <a:r>
+              <a:rPr kumimoji="1" lang="en-US" altLang="zh-CN" sz="1000" dirty="0"/>
+              <a:t>Energy consumption and time cost between SGD and Adam</a:t>
+            </a:r>
+            <a:endParaRPr kumimoji="1" lang="zh-CN" altLang="en-US" sz="1000" dirty="0"/>
           </a:p>
         </p:txBody>
       </p:sp>
     </p:spTree>
     <p:extLst>
       <p:ext uri="{BB962C8B-B14F-4D97-AF65-F5344CB8AC3E}">
-        <p14:creationId xmlns:p14="http://schemas.microsoft.com/office/powerpoint/2010/main" val="2296736367"/>
+        <p14:creationId xmlns:p14="http://schemas.microsoft.com/office/powerpoint/2010/main" val="2819068877"/>
       </p:ext>
     </p:extLst>
   </p:cSld>
